--- a/Analise_Comparativa_TecnicasTreinamento/Evidencias.pptx
+++ b/Analise_Comparativa_TecnicasTreinamento/Evidencias.pptx
@@ -7,7 +7,8 @@
   <p:sldIdLst>
     <p:sldId id="257" r:id="rId2"/>
     <p:sldId id="256" r:id="rId3"/>
-    <p:sldId id="258" r:id="rId4"/>
+    <p:sldId id="259" r:id="rId4"/>
+    <p:sldId id="258" r:id="rId5"/>
   </p:sldIdLst>
   <p:sldSz cx="12192000" cy="6858000"/>
   <p:notesSz cx="6858000" cy="9144000"/>
@@ -106,6 +107,11 @@
       </a:defRPr>
     </a:lvl9pPr>
   </p:defaultTextStyle>
+  <p:extLst>
+    <p:ext uri="{EFAFB233-063F-42B5-8137-9DF3F51BA10A}">
+      <p15:sldGuideLst xmlns:p15="http://schemas.microsoft.com/office/powerpoint/2012/main"/>
+    </p:ext>
+  </p:extLst>
 </p:presentation>
 </file>
 
@@ -256,7 +262,7 @@
           <a:p>
             <a:fld id="{ABD10167-D711-4C3F-9969-D96C4419CE50}" type="datetimeFigureOut">
               <a:rPr lang="pt-BR" smtClean="0"/>
-              <a:t>10/09/2025</a:t>
+              <a:t>11/09/2025</a:t>
             </a:fld>
             <a:endParaRPr lang="pt-BR"/>
           </a:p>
@@ -454,7 +460,7 @@
           <a:p>
             <a:fld id="{ABD10167-D711-4C3F-9969-D96C4419CE50}" type="datetimeFigureOut">
               <a:rPr lang="pt-BR" smtClean="0"/>
-              <a:t>10/09/2025</a:t>
+              <a:t>11/09/2025</a:t>
             </a:fld>
             <a:endParaRPr lang="pt-BR"/>
           </a:p>
@@ -662,7 +668,7 @@
           <a:p>
             <a:fld id="{ABD10167-D711-4C3F-9969-D96C4419CE50}" type="datetimeFigureOut">
               <a:rPr lang="pt-BR" smtClean="0"/>
-              <a:t>10/09/2025</a:t>
+              <a:t>11/09/2025</a:t>
             </a:fld>
             <a:endParaRPr lang="pt-BR"/>
           </a:p>
@@ -860,7 +866,7 @@
           <a:p>
             <a:fld id="{ABD10167-D711-4C3F-9969-D96C4419CE50}" type="datetimeFigureOut">
               <a:rPr lang="pt-BR" smtClean="0"/>
-              <a:t>10/09/2025</a:t>
+              <a:t>11/09/2025</a:t>
             </a:fld>
             <a:endParaRPr lang="pt-BR"/>
           </a:p>
@@ -1135,7 +1141,7 @@
           <a:p>
             <a:fld id="{ABD10167-D711-4C3F-9969-D96C4419CE50}" type="datetimeFigureOut">
               <a:rPr lang="pt-BR" smtClean="0"/>
-              <a:t>10/09/2025</a:t>
+              <a:t>11/09/2025</a:t>
             </a:fld>
             <a:endParaRPr lang="pt-BR"/>
           </a:p>
@@ -1400,7 +1406,7 @@
           <a:p>
             <a:fld id="{ABD10167-D711-4C3F-9969-D96C4419CE50}" type="datetimeFigureOut">
               <a:rPr lang="pt-BR" smtClean="0"/>
-              <a:t>10/09/2025</a:t>
+              <a:t>11/09/2025</a:t>
             </a:fld>
             <a:endParaRPr lang="pt-BR"/>
           </a:p>
@@ -1812,7 +1818,7 @@
           <a:p>
             <a:fld id="{ABD10167-D711-4C3F-9969-D96C4419CE50}" type="datetimeFigureOut">
               <a:rPr lang="pt-BR" smtClean="0"/>
-              <a:t>10/09/2025</a:t>
+              <a:t>11/09/2025</a:t>
             </a:fld>
             <a:endParaRPr lang="pt-BR"/>
           </a:p>
@@ -1953,7 +1959,7 @@
           <a:p>
             <a:fld id="{ABD10167-D711-4C3F-9969-D96C4419CE50}" type="datetimeFigureOut">
               <a:rPr lang="pt-BR" smtClean="0"/>
-              <a:t>10/09/2025</a:t>
+              <a:t>11/09/2025</a:t>
             </a:fld>
             <a:endParaRPr lang="pt-BR"/>
           </a:p>
@@ -2066,7 +2072,7 @@
           <a:p>
             <a:fld id="{ABD10167-D711-4C3F-9969-D96C4419CE50}" type="datetimeFigureOut">
               <a:rPr lang="pt-BR" smtClean="0"/>
-              <a:t>10/09/2025</a:t>
+              <a:t>11/09/2025</a:t>
             </a:fld>
             <a:endParaRPr lang="pt-BR"/>
           </a:p>
@@ -2377,7 +2383,7 @@
           <a:p>
             <a:fld id="{ABD10167-D711-4C3F-9969-D96C4419CE50}" type="datetimeFigureOut">
               <a:rPr lang="pt-BR" smtClean="0"/>
-              <a:t>10/09/2025</a:t>
+              <a:t>11/09/2025</a:t>
             </a:fld>
             <a:endParaRPr lang="pt-BR"/>
           </a:p>
@@ -2665,7 +2671,7 @@
           <a:p>
             <a:fld id="{ABD10167-D711-4C3F-9969-D96C4419CE50}" type="datetimeFigureOut">
               <a:rPr lang="pt-BR" smtClean="0"/>
-              <a:t>10/09/2025</a:t>
+              <a:t>11/09/2025</a:t>
             </a:fld>
             <a:endParaRPr lang="pt-BR"/>
           </a:p>
@@ -2906,7 +2912,7 @@
           <a:p>
             <a:fld id="{ABD10167-D711-4C3F-9969-D96C4419CE50}" type="datetimeFigureOut">
               <a:rPr lang="pt-BR" smtClean="0"/>
-              <a:t>10/09/2025</a:t>
+              <a:t>11/09/2025</a:t>
             </a:fld>
             <a:endParaRPr lang="pt-BR"/>
           </a:p>
@@ -3797,7 +3803,7 @@
         </p:nvSpPr>
         <p:spPr>
           <a:xfrm>
-            <a:off x="370240" y="140095"/>
+            <a:off x="370240" y="1172485"/>
             <a:ext cx="1776577" cy="646331"/>
           </a:xfrm>
           <a:prstGeom prst="rect">
@@ -3838,7 +3844,7 @@
         </p:nvSpPr>
         <p:spPr>
           <a:xfrm>
-            <a:off x="2616910" y="140095"/>
+            <a:off x="2616910" y="1172485"/>
             <a:ext cx="1811843" cy="646331"/>
           </a:xfrm>
           <a:prstGeom prst="rect">
@@ -3879,7 +3885,7 @@
         </p:nvSpPr>
         <p:spPr>
           <a:xfrm>
-            <a:off x="4986485" y="140095"/>
+            <a:off x="4986485" y="1172485"/>
             <a:ext cx="1776577" cy="646331"/>
           </a:xfrm>
           <a:prstGeom prst="rect">
@@ -3921,7 +3927,7 @@
         </p:nvSpPr>
         <p:spPr>
           <a:xfrm>
-            <a:off x="7233155" y="140095"/>
+            <a:off x="7233155" y="1172485"/>
             <a:ext cx="1811843" cy="646331"/>
           </a:xfrm>
           <a:prstGeom prst="rect">
@@ -3971,7 +3977,7 @@
         </p:blipFill>
         <p:spPr>
           <a:xfrm>
-            <a:off x="222767" y="977080"/>
+            <a:off x="222767" y="2009470"/>
             <a:ext cx="1924050" cy="2400300"/>
           </a:xfrm>
           <a:prstGeom prst="rect">
@@ -4001,7 +4007,7 @@
         </p:blipFill>
         <p:spPr>
           <a:xfrm>
-            <a:off x="186204" y="3480621"/>
+            <a:off x="186204" y="4513011"/>
             <a:ext cx="2009775" cy="1123950"/>
           </a:xfrm>
           <a:prstGeom prst="rect">
@@ -4031,7 +4037,7 @@
         </p:blipFill>
         <p:spPr>
           <a:xfrm>
-            <a:off x="2457078" y="991367"/>
+            <a:off x="2457078" y="2023757"/>
             <a:ext cx="1971675" cy="2371725"/>
           </a:xfrm>
           <a:prstGeom prst="rect">
@@ -4061,7 +4067,7 @@
         </p:blipFill>
         <p:spPr>
           <a:xfrm>
-            <a:off x="2419592" y="3452353"/>
+            <a:off x="2419592" y="4484743"/>
             <a:ext cx="2028825" cy="1162050"/>
           </a:xfrm>
           <a:prstGeom prst="rect">
@@ -4091,7 +4097,7 @@
         </p:blipFill>
         <p:spPr>
           <a:xfrm>
-            <a:off x="4835934" y="977080"/>
+            <a:off x="4835934" y="2009470"/>
             <a:ext cx="2038350" cy="2409825"/>
           </a:xfrm>
           <a:prstGeom prst="rect">
@@ -4121,7 +4127,7 @@
         </p:blipFill>
         <p:spPr>
           <a:xfrm>
-            <a:off x="4859746" y="3462185"/>
+            <a:off x="4859746" y="4494575"/>
             <a:ext cx="1990725" cy="1162050"/>
           </a:xfrm>
           <a:prstGeom prst="rect">
@@ -4151,7 +4157,7 @@
         </p:blipFill>
         <p:spPr>
           <a:xfrm>
-            <a:off x="7137534" y="991367"/>
+            <a:off x="7137534" y="2023757"/>
             <a:ext cx="1981200" cy="2409825"/>
           </a:xfrm>
           <a:prstGeom prst="rect">
@@ -4181,7 +4187,7 @@
         </p:blipFill>
         <p:spPr>
           <a:xfrm>
-            <a:off x="7117870" y="3449895"/>
+            <a:off x="7117870" y="4482285"/>
             <a:ext cx="1981200" cy="1162050"/>
           </a:xfrm>
           <a:prstGeom prst="rect">
@@ -4189,6 +4195,41 @@
           </a:prstGeom>
         </p:spPr>
       </p:pic>
+      <p:sp>
+        <p:nvSpPr>
+          <p:cNvPr id="2" name="CaixaDeTexto 1">
+            <a:extLst>
+              <a:ext uri="{FF2B5EF4-FFF2-40B4-BE49-F238E27FC236}">
+                <a16:creationId xmlns:a16="http://schemas.microsoft.com/office/drawing/2014/main" id="{2BA31112-5E40-C92F-9716-C5C3BC58BB77}"/>
+              </a:ext>
+            </a:extLst>
+          </p:cNvPr>
+          <p:cNvSpPr txBox="1"/>
+          <p:nvPr/>
+        </p:nvSpPr>
+        <p:spPr>
+          <a:xfrm>
+            <a:off x="186204" y="175053"/>
+            <a:ext cx="1385316" cy="369332"/>
+          </a:xfrm>
+          <a:prstGeom prst="rect">
+            <a:avLst/>
+          </a:prstGeom>
+          <a:noFill/>
+        </p:spPr>
+        <p:txBody>
+          <a:bodyPr wrap="none" rtlCol="0">
+            <a:spAutoFit/>
+          </a:bodyPr>
+          <a:lstStyle/>
+          <a:p>
+            <a:r>
+              <a:rPr lang="pt-BR" dirty="0"/>
+              <a:t>Sem divisão</a:t>
+            </a:r>
+          </a:p>
+        </p:txBody>
+      </p:sp>
     </p:spTree>
     <p:extLst>
       <p:ext uri="{BB962C8B-B14F-4D97-AF65-F5344CB8AC3E}">
@@ -4203,6 +4244,483 @@
 </file>
 
 <file path=ppt/slides/slide3.xml><?xml version="1.0" encoding="utf-8"?>
+<p:sld xmlns:a="http://schemas.openxmlformats.org/drawingml/2006/main" xmlns:r="http://schemas.openxmlformats.org/officeDocument/2006/relationships" xmlns:p="http://schemas.openxmlformats.org/presentationml/2006/main">
+  <p:cSld>
+    <p:spTree>
+      <p:nvGrpSpPr>
+        <p:cNvPr id="1" name="">
+          <a:extLst>
+            <a:ext uri="{FF2B5EF4-FFF2-40B4-BE49-F238E27FC236}">
+              <a16:creationId xmlns:a16="http://schemas.microsoft.com/office/drawing/2014/main" id="{9CEAEB28-8402-B9BB-AD9D-4173B7775528}"/>
+            </a:ext>
+          </a:extLst>
+        </p:cNvPr>
+        <p:cNvGrpSpPr/>
+        <p:nvPr/>
+      </p:nvGrpSpPr>
+      <p:grpSpPr>
+        <a:xfrm>
+          <a:off x="0" y="0"/>
+          <a:ext cx="0" cy="0"/>
+          <a:chOff x="0" y="0"/>
+          <a:chExt cx="0" cy="0"/>
+        </a:xfrm>
+      </p:grpSpPr>
+      <p:sp>
+        <p:nvSpPr>
+          <p:cNvPr id="18" name="CaixaDeTexto 17">
+            <a:extLst>
+              <a:ext uri="{FF2B5EF4-FFF2-40B4-BE49-F238E27FC236}">
+                <a16:creationId xmlns:a16="http://schemas.microsoft.com/office/drawing/2014/main" id="{117AE95C-9A63-F732-450A-F05765D0FD84}"/>
+              </a:ext>
+            </a:extLst>
+          </p:cNvPr>
+          <p:cNvSpPr txBox="1"/>
+          <p:nvPr/>
+        </p:nvSpPr>
+        <p:spPr>
+          <a:xfrm>
+            <a:off x="370240" y="1054497"/>
+            <a:ext cx="1776577" cy="646331"/>
+          </a:xfrm>
+          <a:prstGeom prst="rect">
+            <a:avLst/>
+          </a:prstGeom>
+          <a:noFill/>
+        </p:spPr>
+        <p:txBody>
+          <a:bodyPr wrap="none" rtlCol="0">
+            <a:spAutoFit/>
+          </a:bodyPr>
+          <a:lstStyle/>
+          <a:p>
+            <a:r>
+              <a:rPr lang="pt-BR" dirty="0"/>
+              <a:t>LGBM</a:t>
+            </a:r>
+          </a:p>
+          <a:p>
+            <a:r>
+              <a:rPr lang="pt-BR" dirty="0"/>
+              <a:t>Sem vazamento</a:t>
+            </a:r>
+          </a:p>
+        </p:txBody>
+      </p:sp>
+      <p:sp>
+        <p:nvSpPr>
+          <p:cNvPr id="19" name="CaixaDeTexto 18">
+            <a:extLst>
+              <a:ext uri="{FF2B5EF4-FFF2-40B4-BE49-F238E27FC236}">
+                <a16:creationId xmlns:a16="http://schemas.microsoft.com/office/drawing/2014/main" id="{98F6F394-7862-3049-EC6D-16B7979672F5}"/>
+              </a:ext>
+            </a:extLst>
+          </p:cNvPr>
+          <p:cNvSpPr txBox="1"/>
+          <p:nvPr/>
+        </p:nvSpPr>
+        <p:spPr>
+          <a:xfrm>
+            <a:off x="2616910" y="1054497"/>
+            <a:ext cx="1811843" cy="646331"/>
+          </a:xfrm>
+          <a:prstGeom prst="rect">
+            <a:avLst/>
+          </a:prstGeom>
+          <a:noFill/>
+        </p:spPr>
+        <p:txBody>
+          <a:bodyPr wrap="none" rtlCol="0">
+            <a:spAutoFit/>
+          </a:bodyPr>
+          <a:lstStyle/>
+          <a:p>
+            <a:r>
+              <a:rPr lang="pt-BR" dirty="0"/>
+              <a:t>LGBM</a:t>
+            </a:r>
+          </a:p>
+          <a:p>
+            <a:r>
+              <a:rPr lang="pt-BR" dirty="0"/>
+              <a:t>Com vazamento</a:t>
+            </a:r>
+          </a:p>
+        </p:txBody>
+      </p:sp>
+      <p:sp>
+        <p:nvSpPr>
+          <p:cNvPr id="36" name="CaixaDeTexto 35">
+            <a:extLst>
+              <a:ext uri="{FF2B5EF4-FFF2-40B4-BE49-F238E27FC236}">
+                <a16:creationId xmlns:a16="http://schemas.microsoft.com/office/drawing/2014/main" id="{34783F04-3AF2-E3F8-1E63-65DC816A9EDB}"/>
+              </a:ext>
+            </a:extLst>
+          </p:cNvPr>
+          <p:cNvSpPr txBox="1"/>
+          <p:nvPr/>
+        </p:nvSpPr>
+        <p:spPr>
+          <a:xfrm>
+            <a:off x="4986485" y="1054497"/>
+            <a:ext cx="1776577" cy="646331"/>
+          </a:xfrm>
+          <a:prstGeom prst="rect">
+            <a:avLst/>
+          </a:prstGeom>
+          <a:noFill/>
+        </p:spPr>
+        <p:txBody>
+          <a:bodyPr wrap="none" rtlCol="0">
+            <a:spAutoFit/>
+          </a:bodyPr>
+          <a:lstStyle/>
+          <a:p>
+            <a:r>
+              <a:rPr lang="pt-BR" dirty="0" err="1"/>
+              <a:t>Catboost</a:t>
+            </a:r>
+            <a:endParaRPr lang="pt-BR" dirty="0"/>
+          </a:p>
+          <a:p>
+            <a:r>
+              <a:rPr lang="pt-BR" dirty="0"/>
+              <a:t>Sem vazamento</a:t>
+            </a:r>
+          </a:p>
+        </p:txBody>
+      </p:sp>
+      <p:sp>
+        <p:nvSpPr>
+          <p:cNvPr id="37" name="CaixaDeTexto 36">
+            <a:extLst>
+              <a:ext uri="{FF2B5EF4-FFF2-40B4-BE49-F238E27FC236}">
+                <a16:creationId xmlns:a16="http://schemas.microsoft.com/office/drawing/2014/main" id="{97692063-23C2-10A8-2AAF-9B3B89E4857C}"/>
+              </a:ext>
+            </a:extLst>
+          </p:cNvPr>
+          <p:cNvSpPr txBox="1"/>
+          <p:nvPr/>
+        </p:nvSpPr>
+        <p:spPr>
+          <a:xfrm>
+            <a:off x="7233155" y="1054497"/>
+            <a:ext cx="1811843" cy="646331"/>
+          </a:xfrm>
+          <a:prstGeom prst="rect">
+            <a:avLst/>
+          </a:prstGeom>
+          <a:noFill/>
+        </p:spPr>
+        <p:txBody>
+          <a:bodyPr wrap="none" rtlCol="0">
+            <a:spAutoFit/>
+          </a:bodyPr>
+          <a:lstStyle/>
+          <a:p>
+            <a:r>
+              <a:rPr lang="pt-BR" dirty="0" err="1"/>
+              <a:t>Catboost</a:t>
+            </a:r>
+            <a:endParaRPr lang="pt-BR" dirty="0"/>
+          </a:p>
+          <a:p>
+            <a:r>
+              <a:rPr lang="pt-BR" dirty="0"/>
+              <a:t>Com vazamento</a:t>
+            </a:r>
+          </a:p>
+        </p:txBody>
+      </p:sp>
+      <p:sp>
+        <p:nvSpPr>
+          <p:cNvPr id="2" name="CaixaDeTexto 1">
+            <a:extLst>
+              <a:ext uri="{FF2B5EF4-FFF2-40B4-BE49-F238E27FC236}">
+                <a16:creationId xmlns:a16="http://schemas.microsoft.com/office/drawing/2014/main" id="{AF0F7D24-B412-FD3F-F41E-233C1FF8A7BE}"/>
+              </a:ext>
+            </a:extLst>
+          </p:cNvPr>
+          <p:cNvSpPr txBox="1"/>
+          <p:nvPr/>
+        </p:nvSpPr>
+        <p:spPr>
+          <a:xfrm>
+            <a:off x="186204" y="175053"/>
+            <a:ext cx="1420582" cy="369332"/>
+          </a:xfrm>
+          <a:prstGeom prst="rect">
+            <a:avLst/>
+          </a:prstGeom>
+          <a:noFill/>
+        </p:spPr>
+        <p:txBody>
+          <a:bodyPr wrap="none" rtlCol="0">
+            <a:spAutoFit/>
+          </a:bodyPr>
+          <a:lstStyle/>
+          <a:p>
+            <a:r>
+              <a:rPr lang="pt-BR" dirty="0"/>
+              <a:t>Com divisão</a:t>
+            </a:r>
+          </a:p>
+        </p:txBody>
+      </p:sp>
+      <p:pic>
+        <p:nvPicPr>
+          <p:cNvPr id="4" name="Imagem 3">
+            <a:extLst>
+              <a:ext uri="{FF2B5EF4-FFF2-40B4-BE49-F238E27FC236}">
+                <a16:creationId xmlns:a16="http://schemas.microsoft.com/office/drawing/2014/main" id="{2FAA5BC1-26BA-E8EC-3DC0-3789DBC7A2F4}"/>
+              </a:ext>
+            </a:extLst>
+          </p:cNvPr>
+          <p:cNvPicPr>
+            <a:picLocks noChangeAspect="1"/>
+          </p:cNvPicPr>
+          <p:nvPr/>
+        </p:nvPicPr>
+        <p:blipFill>
+          <a:blip r:embed="rId2"/>
+          <a:stretch>
+            <a:fillRect/>
+          </a:stretch>
+        </p:blipFill>
+        <p:spPr>
+          <a:xfrm>
+            <a:off x="263165" y="1840937"/>
+            <a:ext cx="1990725" cy="2428875"/>
+          </a:xfrm>
+          <a:prstGeom prst="rect">
+            <a:avLst/>
+          </a:prstGeom>
+        </p:spPr>
+      </p:pic>
+      <p:pic>
+        <p:nvPicPr>
+          <p:cNvPr id="6" name="Imagem 5">
+            <a:extLst>
+              <a:ext uri="{FF2B5EF4-FFF2-40B4-BE49-F238E27FC236}">
+                <a16:creationId xmlns:a16="http://schemas.microsoft.com/office/drawing/2014/main" id="{CD62BF2B-953B-64C8-BF7D-75CFF82B7723}"/>
+              </a:ext>
+            </a:extLst>
+          </p:cNvPr>
+          <p:cNvPicPr>
+            <a:picLocks noChangeAspect="1"/>
+          </p:cNvPicPr>
+          <p:nvPr/>
+        </p:nvPicPr>
+        <p:blipFill>
+          <a:blip r:embed="rId3"/>
+          <a:stretch>
+            <a:fillRect/>
+          </a:stretch>
+        </p:blipFill>
+        <p:spPr>
+          <a:xfrm>
+            <a:off x="244114" y="4469760"/>
+            <a:ext cx="2028825" cy="1133475"/>
+          </a:xfrm>
+          <a:prstGeom prst="rect">
+            <a:avLst/>
+          </a:prstGeom>
+        </p:spPr>
+      </p:pic>
+      <p:pic>
+        <p:nvPicPr>
+          <p:cNvPr id="8" name="Imagem 7">
+            <a:extLst>
+              <a:ext uri="{FF2B5EF4-FFF2-40B4-BE49-F238E27FC236}">
+                <a16:creationId xmlns:a16="http://schemas.microsoft.com/office/drawing/2014/main" id="{918BF3E7-3758-EB0F-1214-C9D8D25D15DA}"/>
+              </a:ext>
+            </a:extLst>
+          </p:cNvPr>
+          <p:cNvPicPr>
+            <a:picLocks noChangeAspect="1"/>
+          </p:cNvPicPr>
+          <p:nvPr/>
+        </p:nvPicPr>
+        <p:blipFill>
+          <a:blip r:embed="rId4"/>
+          <a:stretch>
+            <a:fillRect/>
+          </a:stretch>
+        </p:blipFill>
+        <p:spPr>
+          <a:xfrm>
+            <a:off x="2541756" y="1859987"/>
+            <a:ext cx="1962150" cy="2409825"/>
+          </a:xfrm>
+          <a:prstGeom prst="rect">
+            <a:avLst/>
+          </a:prstGeom>
+        </p:spPr>
+      </p:pic>
+      <p:pic>
+        <p:nvPicPr>
+          <p:cNvPr id="10" name="Imagem 9">
+            <a:extLst>
+              <a:ext uri="{FF2B5EF4-FFF2-40B4-BE49-F238E27FC236}">
+                <a16:creationId xmlns:a16="http://schemas.microsoft.com/office/drawing/2014/main" id="{A296A80C-1848-D4F5-469A-D1166ED277B6}"/>
+              </a:ext>
+            </a:extLst>
+          </p:cNvPr>
+          <p:cNvPicPr>
+            <a:picLocks noChangeAspect="1"/>
+          </p:cNvPicPr>
+          <p:nvPr/>
+        </p:nvPicPr>
+        <p:blipFill>
+          <a:blip r:embed="rId5"/>
+          <a:stretch>
+            <a:fillRect/>
+          </a:stretch>
+        </p:blipFill>
+        <p:spPr>
+          <a:xfrm>
+            <a:off x="2498893" y="4403085"/>
+            <a:ext cx="2047875" cy="1200150"/>
+          </a:xfrm>
+          <a:prstGeom prst="rect">
+            <a:avLst/>
+          </a:prstGeom>
+        </p:spPr>
+      </p:pic>
+      <p:pic>
+        <p:nvPicPr>
+          <p:cNvPr id="5" name="Imagem 4">
+            <a:extLst>
+              <a:ext uri="{FF2B5EF4-FFF2-40B4-BE49-F238E27FC236}">
+                <a16:creationId xmlns:a16="http://schemas.microsoft.com/office/drawing/2014/main" id="{36261C87-C490-32BB-F854-3326781D398C}"/>
+              </a:ext>
+            </a:extLst>
+          </p:cNvPr>
+          <p:cNvPicPr>
+            <a:picLocks noChangeAspect="1"/>
+          </p:cNvPicPr>
+          <p:nvPr/>
+        </p:nvPicPr>
+        <p:blipFill>
+          <a:blip r:embed="rId6"/>
+          <a:stretch>
+            <a:fillRect/>
+          </a:stretch>
+        </p:blipFill>
+        <p:spPr>
+          <a:xfrm>
+            <a:off x="4791772" y="1850769"/>
+            <a:ext cx="1990725" cy="2400300"/>
+          </a:xfrm>
+          <a:prstGeom prst="rect">
+            <a:avLst/>
+          </a:prstGeom>
+        </p:spPr>
+      </p:pic>
+      <p:pic>
+        <p:nvPicPr>
+          <p:cNvPr id="9" name="Imagem 8">
+            <a:extLst>
+              <a:ext uri="{FF2B5EF4-FFF2-40B4-BE49-F238E27FC236}">
+                <a16:creationId xmlns:a16="http://schemas.microsoft.com/office/drawing/2014/main" id="{C451A635-E481-813A-6EFD-13F638470D5F}"/>
+              </a:ext>
+            </a:extLst>
+          </p:cNvPr>
+          <p:cNvPicPr>
+            <a:picLocks noChangeAspect="1"/>
+          </p:cNvPicPr>
+          <p:nvPr/>
+        </p:nvPicPr>
+        <p:blipFill>
+          <a:blip r:embed="rId7"/>
+          <a:stretch>
+            <a:fillRect/>
+          </a:stretch>
+        </p:blipFill>
+        <p:spPr>
+          <a:xfrm>
+            <a:off x="4753672" y="4391178"/>
+            <a:ext cx="2028825" cy="1209675"/>
+          </a:xfrm>
+          <a:prstGeom prst="rect">
+            <a:avLst/>
+          </a:prstGeom>
+        </p:spPr>
+      </p:pic>
+      <p:pic>
+        <p:nvPicPr>
+          <p:cNvPr id="12" name="Imagem 11">
+            <a:extLst>
+              <a:ext uri="{FF2B5EF4-FFF2-40B4-BE49-F238E27FC236}">
+                <a16:creationId xmlns:a16="http://schemas.microsoft.com/office/drawing/2014/main" id="{0AF32EF3-8313-DBEA-3D70-58C7C1B30C89}"/>
+              </a:ext>
+            </a:extLst>
+          </p:cNvPr>
+          <p:cNvPicPr>
+            <a:picLocks noChangeAspect="1"/>
+          </p:cNvPicPr>
+          <p:nvPr/>
+        </p:nvPicPr>
+        <p:blipFill>
+          <a:blip r:embed="rId8"/>
+          <a:stretch>
+            <a:fillRect/>
+          </a:stretch>
+        </p:blipFill>
+        <p:spPr>
+          <a:xfrm>
+            <a:off x="7143713" y="1836481"/>
+            <a:ext cx="1990725" cy="2428875"/>
+          </a:xfrm>
+          <a:prstGeom prst="rect">
+            <a:avLst/>
+          </a:prstGeom>
+        </p:spPr>
+      </p:pic>
+      <p:pic>
+        <p:nvPicPr>
+          <p:cNvPr id="14" name="Imagem 13">
+            <a:extLst>
+              <a:ext uri="{FF2B5EF4-FFF2-40B4-BE49-F238E27FC236}">
+                <a16:creationId xmlns:a16="http://schemas.microsoft.com/office/drawing/2014/main" id="{EBBCFF70-2FC4-1FFA-39CF-A36D7FC3EBDF}"/>
+              </a:ext>
+            </a:extLst>
+          </p:cNvPr>
+          <p:cNvPicPr>
+            <a:picLocks noChangeAspect="1"/>
+          </p:cNvPicPr>
+          <p:nvPr/>
+        </p:nvPicPr>
+        <p:blipFill>
+          <a:blip r:embed="rId9"/>
+          <a:stretch>
+            <a:fillRect/>
+          </a:stretch>
+        </p:blipFill>
+        <p:spPr>
+          <a:xfrm>
+            <a:off x="7105613" y="4372128"/>
+            <a:ext cx="2028825" cy="1228725"/>
+          </a:xfrm>
+          <a:prstGeom prst="rect">
+            <a:avLst/>
+          </a:prstGeom>
+        </p:spPr>
+      </p:pic>
+    </p:spTree>
+    <p:extLst>
+      <p:ext uri="{BB962C8B-B14F-4D97-AF65-F5344CB8AC3E}">
+        <p14:creationId xmlns:p14="http://schemas.microsoft.com/office/powerpoint/2010/main" val="1969037921"/>
+      </p:ext>
+    </p:extLst>
+  </p:cSld>
+  <p:clrMapOvr>
+    <a:masterClrMapping/>
+  </p:clrMapOvr>
+</p:sld>
+</file>
+
+<file path=ppt/slides/slide4.xml><?xml version="1.0" encoding="utf-8"?>
 <p:sld xmlns:a="http://schemas.openxmlformats.org/drawingml/2006/main" xmlns:r="http://schemas.openxmlformats.org/officeDocument/2006/relationships" xmlns:p="http://schemas.openxmlformats.org/presentationml/2006/main">
   <p:cSld>
     <p:spTree>
